--- a/hadoop/administration/cloudera/ppts/05SetupHadoopCoreComponents.pptx
+++ b/hadoop/administration/cloudera/ppts/05SetupHadoopCoreComponents.pptx
@@ -290,7 +290,7 @@
             <a:fld id="{36BC898F-A298-4C24-8512-F8C89D7B89DB}" type="datetimeFigureOut">
               <a:rPr lang="en-US" smtClean="0"/>
               <a:pPr/>
-              <a:t>6/12/16</a:t>
+              <a:t>7/1/16</a:t>
             </a:fld>
             <a:endParaRPr lang="en-US"/>
           </a:p>
@@ -741,7 +741,7 @@
             <a:fld id="{5CDE208D-7564-4296-8E04-23AC3E064C0F}" type="datetime1">
               <a:rPr lang="en-US" smtClean="0"/>
               <a:pPr/>
-              <a:t>6/12/16</a:t>
+              <a:t>7/1/16</a:t>
             </a:fld>
             <a:endParaRPr lang="en-US"/>
           </a:p>
@@ -913,7 +913,7 @@
             <a:fld id="{60D25CE4-ADAF-4059-ABA2-141220E630ED}" type="datetime1">
               <a:rPr lang="en-US" smtClean="0"/>
               <a:pPr/>
-              <a:t>6/12/16</a:t>
+              <a:t>7/1/16</a:t>
             </a:fld>
             <a:endParaRPr lang="en-US"/>
           </a:p>
@@ -1095,7 +1095,7 @@
             <a:fld id="{52C6806D-A723-4AF6-81A5-B834FAD74726}" type="datetime1">
               <a:rPr lang="en-US" smtClean="0"/>
               <a:pPr/>
-              <a:t>6/12/16</a:t>
+              <a:t>7/1/16</a:t>
             </a:fld>
             <a:endParaRPr lang="en-US"/>
           </a:p>
@@ -1267,7 +1267,7 @@
             <a:fld id="{D44EF097-511E-4A39-B887-743E45CBA906}" type="datetime1">
               <a:rPr lang="en-US" smtClean="0"/>
               <a:pPr/>
-              <a:t>6/12/16</a:t>
+              <a:t>7/1/16</a:t>
             </a:fld>
             <a:endParaRPr lang="en-US"/>
           </a:p>
@@ -1515,7 +1515,7 @@
             <a:fld id="{70E85FCB-8524-42D5-A40A-2F99E5C3E7D8}" type="datetime1">
               <a:rPr lang="en-US" smtClean="0"/>
               <a:pPr/>
-              <a:t>6/12/16</a:t>
+              <a:t>7/1/16</a:t>
             </a:fld>
             <a:endParaRPr lang="en-US"/>
           </a:p>
@@ -1805,7 +1805,7 @@
             <a:fld id="{633E977D-637B-4096-B936-E1A637334F64}" type="datetime1">
               <a:rPr lang="en-US" smtClean="0"/>
               <a:pPr/>
-              <a:t>6/12/16</a:t>
+              <a:t>7/1/16</a:t>
             </a:fld>
             <a:endParaRPr lang="en-US"/>
           </a:p>
@@ -2229,7 +2229,7 @@
             <a:fld id="{F3F823A3-1EC4-48DF-BAAF-ED1C7A85F0D2}" type="datetime1">
               <a:rPr lang="en-US" smtClean="0"/>
               <a:pPr/>
-              <a:t>6/12/16</a:t>
+              <a:t>7/1/16</a:t>
             </a:fld>
             <a:endParaRPr lang="en-US"/>
           </a:p>
@@ -2349,7 +2349,7 @@
             <a:fld id="{E128BFC6-AF5F-4DC0-B088-1D980938E003}" type="datetime1">
               <a:rPr lang="en-US" smtClean="0"/>
               <a:pPr/>
-              <a:t>6/12/16</a:t>
+              <a:t>7/1/16</a:t>
             </a:fld>
             <a:endParaRPr lang="en-US"/>
           </a:p>
@@ -2446,7 +2446,7 @@
             <a:fld id="{F4A2A5EB-80FD-44E1-A565-D0A36D298C59}" type="datetime1">
               <a:rPr lang="en-US" smtClean="0"/>
               <a:pPr/>
-              <a:t>6/12/16</a:t>
+              <a:t>7/1/16</a:t>
             </a:fld>
             <a:endParaRPr lang="en-US"/>
           </a:p>
@@ -2725,7 +2725,7 @@
             <a:fld id="{9AFDFBF1-D1F0-4443-941A-FB66DAB2747D}" type="datetime1">
               <a:rPr lang="en-US" smtClean="0"/>
               <a:pPr/>
-              <a:t>6/12/16</a:t>
+              <a:t>7/1/16</a:t>
             </a:fld>
             <a:endParaRPr lang="en-US"/>
           </a:p>
@@ -2980,7 +2980,7 @@
             <a:fld id="{698E6C0E-841F-4B36-A84F-5C356414D90B}" type="datetime1">
               <a:rPr lang="en-US" smtClean="0"/>
               <a:pPr/>
-              <a:t>6/12/16</a:t>
+              <a:t>7/1/16</a:t>
             </a:fld>
             <a:endParaRPr lang="en-US"/>
           </a:p>
@@ -3195,7 +3195,7 @@
             <a:fld id="{98953B7D-DCD9-4820-A960-E75F751A466A}" type="datetime1">
               <a:rPr lang="en-US" smtClean="0"/>
               <a:pPr/>
-              <a:t>6/12/16</a:t>
+              <a:t>7/1/16</a:t>
             </a:fld>
             <a:endParaRPr lang="en-US"/>
           </a:p>
@@ -5741,14 +5741,14 @@
           </a:ln>
           <a:extLst>
             <a:ext uri="{909E8E84-426E-40dd-AFC4-6F175D3DCCD1}">
-              <a14:hiddenFill xmlns="" xmlns:a14="http://schemas.microsoft.com/office/drawing/2010/main">
+              <a14:hiddenFill xmlns:a14="http://schemas.microsoft.com/office/drawing/2010/main" xmlns="">
                 <a:solidFill>
                   <a:srgbClr val="FFFFFF"/>
                 </a:solidFill>
               </a14:hiddenFill>
             </a:ext>
             <a:ext uri="{91240B29-F687-4f45-9708-019B960494DF}">
-              <a14:hiddenLine xmlns="" xmlns:a14="http://schemas.microsoft.com/office/drawing/2010/main" w="9525">
+              <a14:hiddenLine xmlns:a14="http://schemas.microsoft.com/office/drawing/2010/main" xmlns="" w="9525">
                 <a:solidFill>
                   <a:srgbClr val="000000"/>
                 </a:solidFill>
@@ -9098,7 +9098,7 @@
           <a:noFill/>
           <a:extLst>
             <a:ext uri="{909E8E84-426E-40dd-AFC4-6F175D3DCCD1}">
-              <a14:hiddenFill xmlns:a14="http://schemas.microsoft.com/office/drawing/2010/main" xmlns="">
+              <a14:hiddenFill xmlns="" xmlns:a14="http://schemas.microsoft.com/office/drawing/2010/main">
                 <a:solidFill>
                   <a:srgbClr val="FFFFFF"/>
                 </a:solidFill>
@@ -10322,14 +10322,14 @@
           </a:ln>
           <a:extLst>
             <a:ext uri="{909E8E84-426E-40dd-AFC4-6F175D3DCCD1}">
-              <a14:hiddenFill xmlns="" xmlns:a14="http://schemas.microsoft.com/office/drawing/2010/main">
+              <a14:hiddenFill xmlns:a14="http://schemas.microsoft.com/office/drawing/2010/main" xmlns="">
                 <a:solidFill>
                   <a:srgbClr val="FFFFFF"/>
                 </a:solidFill>
               </a14:hiddenFill>
             </a:ext>
             <a:ext uri="{91240B29-F687-4f45-9708-019B960494DF}">
-              <a14:hiddenLine xmlns="" xmlns:a14="http://schemas.microsoft.com/office/drawing/2010/main" w="9525">
+              <a14:hiddenLine xmlns:a14="http://schemas.microsoft.com/office/drawing/2010/main" xmlns="" w="9525">
                 <a:solidFill>
                   <a:srgbClr val="000000"/>
                 </a:solidFill>
@@ -10490,14 +10490,14 @@
           </a:ln>
           <a:extLst>
             <a:ext uri="{909E8E84-426E-40dd-AFC4-6F175D3DCCD1}">
-              <a14:hiddenFill xmlns="" xmlns:a14="http://schemas.microsoft.com/office/drawing/2010/main">
+              <a14:hiddenFill xmlns:a14="http://schemas.microsoft.com/office/drawing/2010/main" xmlns="">
                 <a:solidFill>
                   <a:srgbClr val="FFFFFF"/>
                 </a:solidFill>
               </a14:hiddenFill>
             </a:ext>
             <a:ext uri="{91240B29-F687-4f45-9708-019B960494DF}">
-              <a14:hiddenLine xmlns="" xmlns:a14="http://schemas.microsoft.com/office/drawing/2010/main" w="9525">
+              <a14:hiddenLine xmlns:a14="http://schemas.microsoft.com/office/drawing/2010/main" xmlns="" w="9525">
                 <a:solidFill>
                   <a:srgbClr val="000000"/>
                 </a:solidFill>
@@ -12248,14 +12248,14 @@
           </a:ln>
           <a:extLst>
             <a:ext uri="{909E8E84-426E-40dd-AFC4-6F175D3DCCD1}">
-              <a14:hiddenFill xmlns="" xmlns:a14="http://schemas.microsoft.com/office/drawing/2010/main">
+              <a14:hiddenFill xmlns:a14="http://schemas.microsoft.com/office/drawing/2010/main" xmlns="">
                 <a:solidFill>
                   <a:srgbClr val="FFFFFF"/>
                 </a:solidFill>
               </a14:hiddenFill>
             </a:ext>
             <a:ext uri="{91240B29-F687-4f45-9708-019B960494DF}">
-              <a14:hiddenLine xmlns="" xmlns:a14="http://schemas.microsoft.com/office/drawing/2010/main" w="9525">
+              <a14:hiddenLine xmlns:a14="http://schemas.microsoft.com/office/drawing/2010/main" xmlns="" w="9525">
                 <a:solidFill>
                   <a:srgbClr val="000000"/>
                 </a:solidFill>
@@ -12416,14 +12416,14 @@
           </a:ln>
           <a:extLst>
             <a:ext uri="{909E8E84-426E-40dd-AFC4-6F175D3DCCD1}">
-              <a14:hiddenFill xmlns="" xmlns:a14="http://schemas.microsoft.com/office/drawing/2010/main">
+              <a14:hiddenFill xmlns:a14="http://schemas.microsoft.com/office/drawing/2010/main" xmlns="">
                 <a:solidFill>
                   <a:srgbClr val="FFFFFF"/>
                 </a:solidFill>
               </a14:hiddenFill>
             </a:ext>
             <a:ext uri="{91240B29-F687-4f45-9708-019B960494DF}">
-              <a14:hiddenLine xmlns="" xmlns:a14="http://schemas.microsoft.com/office/drawing/2010/main" w="9525">
+              <a14:hiddenLine xmlns:a14="http://schemas.microsoft.com/office/drawing/2010/main" xmlns="" w="9525">
                 <a:solidFill>
                   <a:srgbClr val="000000"/>
                 </a:solidFill>
@@ -14896,14 +14896,14 @@
           </a:ln>
           <a:extLst>
             <a:ext uri="{909E8E84-426E-40dd-AFC4-6F175D3DCCD1}">
-              <a14:hiddenFill xmlns="" xmlns:a14="http://schemas.microsoft.com/office/drawing/2010/main">
+              <a14:hiddenFill xmlns:a14="http://schemas.microsoft.com/office/drawing/2010/main" xmlns="">
                 <a:solidFill>
                   <a:srgbClr val="FFFFFF"/>
                 </a:solidFill>
               </a14:hiddenFill>
             </a:ext>
             <a:ext uri="{91240B29-F687-4f45-9708-019B960494DF}">
-              <a14:hiddenLine xmlns="" xmlns:a14="http://schemas.microsoft.com/office/drawing/2010/main" w="9525">
+              <a14:hiddenLine xmlns:a14="http://schemas.microsoft.com/office/drawing/2010/main" xmlns="" w="9525">
                 <a:solidFill>
                   <a:srgbClr val="000000"/>
                 </a:solidFill>
@@ -15064,14 +15064,14 @@
           </a:ln>
           <a:extLst>
             <a:ext uri="{909E8E84-426E-40dd-AFC4-6F175D3DCCD1}">
-              <a14:hiddenFill xmlns="" xmlns:a14="http://schemas.microsoft.com/office/drawing/2010/main">
+              <a14:hiddenFill xmlns:a14="http://schemas.microsoft.com/office/drawing/2010/main" xmlns="">
                 <a:solidFill>
                   <a:srgbClr val="FFFFFF"/>
                 </a:solidFill>
               </a14:hiddenFill>
             </a:ext>
             <a:ext uri="{91240B29-F687-4f45-9708-019B960494DF}">
-              <a14:hiddenLine xmlns="" xmlns:a14="http://schemas.microsoft.com/office/drawing/2010/main" w="9525">
+              <a14:hiddenLine xmlns:a14="http://schemas.microsoft.com/office/drawing/2010/main" xmlns="" w="9525">
                 <a:solidFill>
                   <a:srgbClr val="000000"/>
                 </a:solidFill>
@@ -18283,14 +18283,14 @@
           </a:ln>
           <a:extLst>
             <a:ext uri="{909E8E84-426E-40dd-AFC4-6F175D3DCCD1}">
-              <a14:hiddenFill xmlns="" xmlns:a14="http://schemas.microsoft.com/office/drawing/2010/main">
+              <a14:hiddenFill xmlns:a14="http://schemas.microsoft.com/office/drawing/2010/main" xmlns="">
                 <a:solidFill>
                   <a:srgbClr val="FFFFFF"/>
                 </a:solidFill>
               </a14:hiddenFill>
             </a:ext>
             <a:ext uri="{91240B29-F687-4f45-9708-019B960494DF}">
-              <a14:hiddenLine xmlns="" xmlns:a14="http://schemas.microsoft.com/office/drawing/2010/main" w="9525">
+              <a14:hiddenLine xmlns:a14="http://schemas.microsoft.com/office/drawing/2010/main" xmlns="" w="9525">
                 <a:solidFill>
                   <a:srgbClr val="000000"/>
                 </a:solidFill>
@@ -19308,14 +19308,14 @@
           </a:ln>
           <a:extLst>
             <a:ext uri="{909E8E84-426E-40dd-AFC4-6F175D3DCCD1}">
-              <a14:hiddenFill xmlns="" xmlns:a14="http://schemas.microsoft.com/office/drawing/2010/main">
+              <a14:hiddenFill xmlns:a14="http://schemas.microsoft.com/office/drawing/2010/main" xmlns="">
                 <a:solidFill>
                   <a:srgbClr val="FFFFFF"/>
                 </a:solidFill>
               </a14:hiddenFill>
             </a:ext>
             <a:ext uri="{91240B29-F687-4f45-9708-019B960494DF}">
-              <a14:hiddenLine xmlns="" xmlns:a14="http://schemas.microsoft.com/office/drawing/2010/main" w="9525">
+              <a14:hiddenLine xmlns:a14="http://schemas.microsoft.com/office/drawing/2010/main" xmlns="" w="9525">
                 <a:solidFill>
                   <a:srgbClr val="000000"/>
                 </a:solidFill>
@@ -19476,14 +19476,14 @@
           </a:ln>
           <a:extLst>
             <a:ext uri="{909E8E84-426E-40dd-AFC4-6F175D3DCCD1}">
-              <a14:hiddenFill xmlns="" xmlns:a14="http://schemas.microsoft.com/office/drawing/2010/main">
+              <a14:hiddenFill xmlns:a14="http://schemas.microsoft.com/office/drawing/2010/main" xmlns="">
                 <a:solidFill>
                   <a:srgbClr val="FFFFFF"/>
                 </a:solidFill>
               </a14:hiddenFill>
             </a:ext>
             <a:ext uri="{91240B29-F687-4f45-9708-019B960494DF}">
-              <a14:hiddenLine xmlns="" xmlns:a14="http://schemas.microsoft.com/office/drawing/2010/main" w="9525">
+              <a14:hiddenLine xmlns:a14="http://schemas.microsoft.com/office/drawing/2010/main" xmlns="" w="9525">
                 <a:solidFill>
                   <a:srgbClr val="000000"/>
                 </a:solidFill>
@@ -22048,7 +22048,7 @@
           </a:effectLst>
           <a:extLst>
             <a:ext uri="{909E8E84-426E-40dd-AFC4-6F175D3DCCD1}">
-              <a14:hiddenFill xmlns="" xmlns:a14="http://schemas.microsoft.com/office/drawing/2010/main">
+              <a14:hiddenFill xmlns:a14="http://schemas.microsoft.com/office/drawing/2010/main" xmlns="">
                 <a:noFill/>
               </a14:hiddenFill>
             </a:ext>
@@ -22093,7 +22093,7 @@
           </a:effectLst>
           <a:extLst>
             <a:ext uri="{909E8E84-426E-40dd-AFC4-6F175D3DCCD1}">
-              <a14:hiddenFill xmlns="" xmlns:a14="http://schemas.microsoft.com/office/drawing/2010/main">
+              <a14:hiddenFill xmlns:a14="http://schemas.microsoft.com/office/drawing/2010/main" xmlns="">
                 <a:noFill/>
               </a14:hiddenFill>
             </a:ext>
@@ -22511,14 +22511,14 @@
           </a:ln>
           <a:extLst>
             <a:ext uri="{909E8E84-426E-40dd-AFC4-6F175D3DCCD1}">
-              <a14:hiddenFill xmlns="" xmlns:a14="http://schemas.microsoft.com/office/drawing/2010/main">
+              <a14:hiddenFill xmlns:a14="http://schemas.microsoft.com/office/drawing/2010/main" xmlns="">
                 <a:solidFill>
                   <a:srgbClr val="FFFFFF"/>
                 </a:solidFill>
               </a14:hiddenFill>
             </a:ext>
             <a:ext uri="{91240B29-F687-4f45-9708-019B960494DF}">
-              <a14:hiddenLine xmlns="" xmlns:a14="http://schemas.microsoft.com/office/drawing/2010/main" w="9525">
+              <a14:hiddenLine xmlns:a14="http://schemas.microsoft.com/office/drawing/2010/main" xmlns="" w="9525">
                 <a:solidFill>
                   <a:srgbClr val="000000"/>
                 </a:solidFill>
@@ -22679,14 +22679,14 @@
           </a:ln>
           <a:extLst>
             <a:ext uri="{909E8E84-426E-40dd-AFC4-6F175D3DCCD1}">
-              <a14:hiddenFill xmlns="" xmlns:a14="http://schemas.microsoft.com/office/drawing/2010/main">
+              <a14:hiddenFill xmlns:a14="http://schemas.microsoft.com/office/drawing/2010/main" xmlns="">
                 <a:solidFill>
                   <a:srgbClr val="FFFFFF"/>
                 </a:solidFill>
               </a14:hiddenFill>
             </a:ext>
             <a:ext uri="{91240B29-F687-4f45-9708-019B960494DF}">
-              <a14:hiddenLine xmlns="" xmlns:a14="http://schemas.microsoft.com/office/drawing/2010/main" w="9525">
+              <a14:hiddenLine xmlns:a14="http://schemas.microsoft.com/office/drawing/2010/main" xmlns="" w="9525">
                 <a:solidFill>
                   <a:srgbClr val="000000"/>
                 </a:solidFill>
@@ -24768,14 +24768,14 @@
           </a:ln>
           <a:extLst>
             <a:ext uri="{909E8E84-426E-40dd-AFC4-6F175D3DCCD1}">
-              <a14:hiddenFill xmlns="" xmlns:a14="http://schemas.microsoft.com/office/drawing/2010/main">
+              <a14:hiddenFill xmlns:a14="http://schemas.microsoft.com/office/drawing/2010/main" xmlns="">
                 <a:solidFill>
                   <a:srgbClr val="FFFFFF"/>
                 </a:solidFill>
               </a14:hiddenFill>
             </a:ext>
             <a:ext uri="{91240B29-F687-4f45-9708-019B960494DF}">
-              <a14:hiddenLine xmlns="" xmlns:a14="http://schemas.microsoft.com/office/drawing/2010/main" w="9525">
+              <a14:hiddenLine xmlns:a14="http://schemas.microsoft.com/office/drawing/2010/main" xmlns="" w="9525">
                 <a:solidFill>
                   <a:srgbClr val="000000"/>
                 </a:solidFill>
@@ -24936,14 +24936,14 @@
           </a:ln>
           <a:extLst>
             <a:ext uri="{909E8E84-426E-40dd-AFC4-6F175D3DCCD1}">
-              <a14:hiddenFill xmlns="" xmlns:a14="http://schemas.microsoft.com/office/drawing/2010/main">
+              <a14:hiddenFill xmlns:a14="http://schemas.microsoft.com/office/drawing/2010/main" xmlns="">
                 <a:solidFill>
                   <a:srgbClr val="FFFFFF"/>
                 </a:solidFill>
               </a14:hiddenFill>
             </a:ext>
             <a:ext uri="{91240B29-F687-4f45-9708-019B960494DF}">
-              <a14:hiddenLine xmlns="" xmlns:a14="http://schemas.microsoft.com/office/drawing/2010/main" w="9525">
+              <a14:hiddenLine xmlns:a14="http://schemas.microsoft.com/office/drawing/2010/main" xmlns="" w="9525">
                 <a:solidFill>
                   <a:srgbClr val="000000"/>
                 </a:solidFill>
@@ -29957,14 +29957,14 @@
           </a:ln>
           <a:extLst>
             <a:ext uri="{909E8E84-426E-40dd-AFC4-6F175D3DCCD1}">
-              <a14:hiddenFill xmlns="" xmlns:a14="http://schemas.microsoft.com/office/drawing/2010/main">
+              <a14:hiddenFill xmlns:a14="http://schemas.microsoft.com/office/drawing/2010/main" xmlns="">
                 <a:solidFill>
                   <a:srgbClr val="FFFFFF"/>
                 </a:solidFill>
               </a14:hiddenFill>
             </a:ext>
             <a:ext uri="{91240B29-F687-4f45-9708-019B960494DF}">
-              <a14:hiddenLine xmlns="" xmlns:a14="http://schemas.microsoft.com/office/drawing/2010/main" w="9525">
+              <a14:hiddenLine xmlns:a14="http://schemas.microsoft.com/office/drawing/2010/main" xmlns="" w="9525">
                 <a:solidFill>
                   <a:srgbClr val="000000"/>
                 </a:solidFill>
@@ -44867,14 +44867,14 @@
           </a:ln>
           <a:extLst>
             <a:ext uri="{909E8E84-426E-40dd-AFC4-6F175D3DCCD1}">
-              <a14:hiddenFill xmlns="" xmlns:a14="http://schemas.microsoft.com/office/drawing/2010/main">
+              <a14:hiddenFill xmlns:a14="http://schemas.microsoft.com/office/drawing/2010/main" xmlns="">
                 <a:solidFill>
                   <a:srgbClr val="FFFFFF"/>
                 </a:solidFill>
               </a14:hiddenFill>
             </a:ext>
             <a:ext uri="{91240B29-F687-4f45-9708-019B960494DF}">
-              <a14:hiddenLine xmlns="" xmlns:a14="http://schemas.microsoft.com/office/drawing/2010/main" w="9525">
+              <a14:hiddenLine xmlns:a14="http://schemas.microsoft.com/office/drawing/2010/main" xmlns="" w="9525">
                 <a:solidFill>
                   <a:srgbClr val="000000"/>
                 </a:solidFill>
@@ -45005,14 +45005,14 @@
           </a:ln>
           <a:extLst>
             <a:ext uri="{909E8E84-426E-40dd-AFC4-6F175D3DCCD1}">
-              <a14:hiddenFill xmlns="" xmlns:a14="http://schemas.microsoft.com/office/drawing/2010/main">
+              <a14:hiddenFill xmlns:a14="http://schemas.microsoft.com/office/drawing/2010/main" xmlns="">
                 <a:solidFill>
                   <a:srgbClr val="FFFFFF"/>
                 </a:solidFill>
               </a14:hiddenFill>
             </a:ext>
             <a:ext uri="{91240B29-F687-4f45-9708-019B960494DF}">
-              <a14:hiddenLine xmlns="" xmlns:a14="http://schemas.microsoft.com/office/drawing/2010/main" w="9525">
+              <a14:hiddenLine xmlns:a14="http://schemas.microsoft.com/office/drawing/2010/main" xmlns="" w="9525">
                 <a:solidFill>
                   <a:srgbClr val="000000"/>
                 </a:solidFill>
@@ -46126,7 +46126,7 @@
           </a:effectLst>
           <a:extLst>
             <a:ext uri="{909E8E84-426E-40dd-AFC4-6F175D3DCCD1}">
-              <a14:hiddenFill xmlns="" xmlns:a14="http://schemas.microsoft.com/office/drawing/2010/main">
+              <a14:hiddenFill xmlns:a14="http://schemas.microsoft.com/office/drawing/2010/main" xmlns="">
                 <a:noFill/>
               </a14:hiddenFill>
             </a:ext>
@@ -46171,7 +46171,7 @@
           </a:effectLst>
           <a:extLst>
             <a:ext uri="{909E8E84-426E-40dd-AFC4-6F175D3DCCD1}">
-              <a14:hiddenFill xmlns="" xmlns:a14="http://schemas.microsoft.com/office/drawing/2010/main">
+              <a14:hiddenFill xmlns:a14="http://schemas.microsoft.com/office/drawing/2010/main" xmlns="">
                 <a:noFill/>
               </a14:hiddenFill>
             </a:ext>
@@ -49597,7 +49597,7 @@
         <p:spPr/>
         <p:txBody>
           <a:bodyPr>
-            <a:normAutofit fontScale="77500" lnSpcReduction="20000"/>
+            <a:normAutofit fontScale="62500" lnSpcReduction="20000"/>
           </a:bodyPr>
           <a:lstStyle/>
           <a:p>
@@ -49655,8 +49655,24 @@
           <a:p>
             <a:pPr lvl="1"/>
             <a:r>
-              <a:rPr lang="en-US" dirty="0" err="1"/>
+              <a:rPr lang="en-US" dirty="0" err="1" smtClean="0"/>
               <a:t>hdfs-site.xml</a:t>
+            </a:r>
+            <a:endParaRPr lang="en-US" dirty="0" smtClean="0"/>
+          </a:p>
+          <a:p>
+            <a:pPr lvl="1"/>
+            <a:r>
+              <a:rPr lang="en-US" dirty="0" err="1" smtClean="0"/>
+              <a:t>hadoop-env.sh</a:t>
+            </a:r>
+            <a:endParaRPr lang="en-US" dirty="0" smtClean="0"/>
+          </a:p>
+          <a:p>
+            <a:pPr lvl="1"/>
+            <a:r>
+              <a:rPr lang="en-US" dirty="0" smtClean="0"/>
+              <a:t>log4j.properties</a:t>
             </a:r>
             <a:endParaRPr lang="en-US" dirty="0"/>
           </a:p>
@@ -49669,14 +49685,24 @@
           <a:p>
             <a:r>
               <a:rPr lang="en-US" dirty="0" smtClean="0"/>
-              <a:t>Files and Blocks</a:t>
-            </a:r>
+              <a:t>Files </a:t>
+            </a:r>
+            <a:r>
+              <a:rPr lang="en-US" smtClean="0"/>
+              <a:t>and </a:t>
+            </a:r>
+            <a:r>
+              <a:rPr lang="en-US" smtClean="0"/>
+              <a:t>Blocks (block size)</a:t>
+            </a:r>
+            <a:endParaRPr lang="en-US" dirty="0" smtClean="0"/>
           </a:p>
           <a:p>
             <a:r>
               <a:rPr lang="en-US" dirty="0" smtClean="0"/>
-              <a:t>Rack awareness</a:t>
-            </a:r>
+              <a:t>Fault tolerance and Rack awareness (replication factor)</a:t>
+            </a:r>
+            <a:endParaRPr lang="en-US" dirty="0" smtClean="0"/>
           </a:p>
           <a:p>
             <a:r>
